--- a/lectures/14.2/lecture.pptx
+++ b/lectures/14.2/lecture.pptx
@@ -217,7 +217,7 @@
           <a:p>
             <a:fld id="{248031C6-E4B0-0444-A4A8-9CCE96EC2C9C}" type="datetimeFigureOut">
               <a:rPr lang="en-GB" smtClean="0"/>
-              <a:t>17/12/2018</a:t>
+              <a:t>18/12/2018</a:t>
             </a:fld>
             <a:endParaRPr lang="en-GB"/>
           </a:p>
@@ -634,7 +634,7 @@
           <a:p>
             <a:fld id="{66665395-52C5-5E4B-BB20-CD4E0BBC9899}" type="datetimeFigureOut">
               <a:rPr lang="en-GB" smtClean="0"/>
-              <a:t>17/12/2018</a:t>
+              <a:t>18/12/2018</a:t>
             </a:fld>
             <a:endParaRPr lang="en-GB"/>
           </a:p>
@@ -834,7 +834,7 @@
           <a:p>
             <a:fld id="{66665395-52C5-5E4B-BB20-CD4E0BBC9899}" type="datetimeFigureOut">
               <a:rPr lang="en-GB" smtClean="0"/>
-              <a:t>17/12/2018</a:t>
+              <a:t>18/12/2018</a:t>
             </a:fld>
             <a:endParaRPr lang="en-GB"/>
           </a:p>
@@ -1044,7 +1044,7 @@
           <a:p>
             <a:fld id="{66665395-52C5-5E4B-BB20-CD4E0BBC9899}" type="datetimeFigureOut">
               <a:rPr lang="en-GB" smtClean="0"/>
-              <a:t>17/12/2018</a:t>
+              <a:t>18/12/2018</a:t>
             </a:fld>
             <a:endParaRPr lang="en-GB"/>
           </a:p>
@@ -1244,7 +1244,7 @@
           <a:p>
             <a:fld id="{66665395-52C5-5E4B-BB20-CD4E0BBC9899}" type="datetimeFigureOut">
               <a:rPr lang="en-GB" smtClean="0"/>
-              <a:t>17/12/2018</a:t>
+              <a:t>18/12/2018</a:t>
             </a:fld>
             <a:endParaRPr lang="en-GB"/>
           </a:p>
@@ -1520,7 +1520,7 @@
           <a:p>
             <a:fld id="{66665395-52C5-5E4B-BB20-CD4E0BBC9899}" type="datetimeFigureOut">
               <a:rPr lang="en-GB" smtClean="0"/>
-              <a:t>17/12/2018</a:t>
+              <a:t>18/12/2018</a:t>
             </a:fld>
             <a:endParaRPr lang="en-GB"/>
           </a:p>
@@ -1788,7 +1788,7 @@
           <a:p>
             <a:fld id="{66665395-52C5-5E4B-BB20-CD4E0BBC9899}" type="datetimeFigureOut">
               <a:rPr lang="en-GB" smtClean="0"/>
-              <a:t>17/12/2018</a:t>
+              <a:t>18/12/2018</a:t>
             </a:fld>
             <a:endParaRPr lang="en-GB"/>
           </a:p>
@@ -2203,7 +2203,7 @@
           <a:p>
             <a:fld id="{66665395-52C5-5E4B-BB20-CD4E0BBC9899}" type="datetimeFigureOut">
               <a:rPr lang="en-GB" smtClean="0"/>
-              <a:t>17/12/2018</a:t>
+              <a:t>18/12/2018</a:t>
             </a:fld>
             <a:endParaRPr lang="en-GB"/>
           </a:p>
@@ -2345,7 +2345,7 @@
           <a:p>
             <a:fld id="{66665395-52C5-5E4B-BB20-CD4E0BBC9899}" type="datetimeFigureOut">
               <a:rPr lang="en-GB" smtClean="0"/>
-              <a:t>17/12/2018</a:t>
+              <a:t>18/12/2018</a:t>
             </a:fld>
             <a:endParaRPr lang="en-GB"/>
           </a:p>
@@ -2458,7 +2458,7 @@
           <a:p>
             <a:fld id="{66665395-52C5-5E4B-BB20-CD4E0BBC9899}" type="datetimeFigureOut">
               <a:rPr lang="en-GB" smtClean="0"/>
-              <a:t>17/12/2018</a:t>
+              <a:t>18/12/2018</a:t>
             </a:fld>
             <a:endParaRPr lang="en-GB"/>
           </a:p>
@@ -2771,7 +2771,7 @@
           <a:p>
             <a:fld id="{66665395-52C5-5E4B-BB20-CD4E0BBC9899}" type="datetimeFigureOut">
               <a:rPr lang="en-GB" smtClean="0"/>
-              <a:t>17/12/2018</a:t>
+              <a:t>18/12/2018</a:t>
             </a:fld>
             <a:endParaRPr lang="en-GB"/>
           </a:p>
@@ -3060,7 +3060,7 @@
           <a:p>
             <a:fld id="{66665395-52C5-5E4B-BB20-CD4E0BBC9899}" type="datetimeFigureOut">
               <a:rPr lang="en-GB" smtClean="0"/>
-              <a:t>17/12/2018</a:t>
+              <a:t>18/12/2018</a:t>
             </a:fld>
             <a:endParaRPr lang="en-GB"/>
           </a:p>
@@ -3303,7 +3303,7 @@
           <a:p>
             <a:fld id="{66665395-52C5-5E4B-BB20-CD4E0BBC9899}" type="datetimeFigureOut">
               <a:rPr lang="en-GB" smtClean="0"/>
-              <a:t>17/12/2018</a:t>
+              <a:t>18/12/2018</a:t>
             </a:fld>
             <a:endParaRPr lang="en-GB"/>
           </a:p>
@@ -3986,10 +3986,10 @@
       </p:grpSpPr>
       <p:pic>
         <p:nvPicPr>
-          <p:cNvPr id="4" name="Picture 3">
-            <a:extLst>
-              <a:ext uri="{FF2B5EF4-FFF2-40B4-BE49-F238E27FC236}">
-                <a16:creationId xmlns:a16="http://schemas.microsoft.com/office/drawing/2014/main" id="{DE3C1F54-56E8-6947-9E1F-0DA88658B3E1}"/>
+          <p:cNvPr id="2" name="Picture 1">
+            <a:extLst>
+              <a:ext uri="{FF2B5EF4-FFF2-40B4-BE49-F238E27FC236}">
+                <a16:creationId xmlns:a16="http://schemas.microsoft.com/office/drawing/2014/main" id="{7B916113-A407-1B4B-AC88-CF6DDEE2618C}"/>
               </a:ext>
             </a:extLst>
           </p:cNvPr>
@@ -4006,8 +4006,8 @@
         </p:blipFill>
         <p:spPr>
           <a:xfrm>
-            <a:off x="1830664" y="0"/>
-            <a:ext cx="8173005" cy="6858000"/>
+            <a:off x="2330320" y="281912"/>
+            <a:ext cx="7531359" cy="6294175"/>
           </a:xfrm>
           <a:prstGeom prst="rect">
             <a:avLst/>
